--- a/Slides/00. 課程介紹.pptx
+++ b/Slides/00. 課程介紹.pptx
@@ -203,7 +203,7 @@
           <a:p>
             <a:fld id="{90CC8E63-1016-4C78-A51D-85D69DBCD8EF}" type="datetimeFigureOut">
               <a:rPr lang="zh-TW" altLang="en-US" smtClean="0"/>
-              <a:t>2024/5/10</a:t>
+              <a:t>2024/5/14</a:t>
             </a:fld>
             <a:endParaRPr lang="zh-TW" altLang="en-US"/>
           </a:p>
@@ -1513,7 +1513,7 @@
           <a:p>
             <a:fld id="{2E29796B-F55F-40BA-947E-19D03180300F}" type="datetimeFigureOut">
               <a:rPr lang="zh-TW" altLang="en-US" smtClean="0"/>
-              <a:t>2024/5/10</a:t>
+              <a:t>2024/5/14</a:t>
             </a:fld>
             <a:endParaRPr lang="zh-TW" altLang="en-US"/>
           </a:p>
@@ -1711,7 +1711,7 @@
           <a:p>
             <a:fld id="{2E29796B-F55F-40BA-947E-19D03180300F}" type="datetimeFigureOut">
               <a:rPr lang="zh-TW" altLang="en-US" smtClean="0"/>
-              <a:t>2024/5/10</a:t>
+              <a:t>2024/5/14</a:t>
             </a:fld>
             <a:endParaRPr lang="zh-TW" altLang="en-US"/>
           </a:p>
@@ -1919,7 +1919,7 @@
           <a:p>
             <a:fld id="{2E29796B-F55F-40BA-947E-19D03180300F}" type="datetimeFigureOut">
               <a:rPr lang="zh-TW" altLang="en-US" smtClean="0"/>
-              <a:t>2024/5/10</a:t>
+              <a:t>2024/5/14</a:t>
             </a:fld>
             <a:endParaRPr lang="zh-TW" altLang="en-US"/>
           </a:p>
@@ -2300,7 +2300,7 @@
                 </a:solidFill>
               </a:rPr>
               <a:pPr/>
-              <a:t>5/10/2024</a:t>
+              <a:t>5/14/2024</a:t>
             </a:fld>
             <a:endParaRPr kumimoji="0" lang="en-US" dirty="0"/>
           </a:p>
@@ -2531,7 +2531,7 @@
                 </a:solidFill>
               </a:rPr>
               <a:pPr/>
-              <a:t>5/10/2024</a:t>
+              <a:t>5/14/2024</a:t>
             </a:fld>
             <a:endParaRPr kumimoji="0" lang="en-US" dirty="0"/>
           </a:p>
@@ -2764,7 +2764,7 @@
                 </a:solidFill>
               </a:rPr>
               <a:pPr/>
-              <a:t>5/10/2024</a:t>
+              <a:t>5/14/2024</a:t>
             </a:fld>
             <a:endParaRPr kumimoji="0" lang="en-US" dirty="0"/>
           </a:p>
@@ -3246,7 +3246,7 @@
                 </a:solidFill>
               </a:rPr>
               <a:pPr/>
-              <a:t>5/10/2024</a:t>
+              <a:t>5/14/2024</a:t>
             </a:fld>
             <a:endParaRPr kumimoji="0" lang="en-US" dirty="0"/>
           </a:p>
@@ -3603,7 +3603,7 @@
                 </a:solidFill>
               </a:rPr>
               <a:pPr/>
-              <a:t>5/10/2024</a:t>
+              <a:t>5/14/2024</a:t>
             </a:fld>
             <a:endParaRPr kumimoji="0" lang="en-US" dirty="0"/>
           </a:p>
@@ -3966,7 +3966,7 @@
                 </a:solidFill>
               </a:rPr>
               <a:pPr/>
-              <a:t>5/10/2024</a:t>
+              <a:t>5/14/2024</a:t>
             </a:fld>
             <a:endParaRPr kumimoji="0" lang="en-US" dirty="0"/>
           </a:p>
@@ -4276,7 +4276,7 @@
                 </a:solidFill>
               </a:rPr>
               <a:pPr/>
-              <a:t>5/10/2024</a:t>
+              <a:t>5/14/2024</a:t>
             </a:fld>
             <a:endParaRPr kumimoji="0" lang="en-US" dirty="0"/>
           </a:p>
@@ -4471,7 +4471,7 @@
           <a:p>
             <a:fld id="{2E29796B-F55F-40BA-947E-19D03180300F}" type="datetimeFigureOut">
               <a:rPr lang="zh-TW" altLang="en-US" smtClean="0"/>
-              <a:t>2024/5/10</a:t>
+              <a:t>2024/5/14</a:t>
             </a:fld>
             <a:endParaRPr lang="zh-TW" altLang="en-US"/>
           </a:p>
@@ -4955,7 +4955,7 @@
                 </a:solidFill>
               </a:rPr>
               <a:pPr/>
-              <a:t>5/10/2024</a:t>
+              <a:t>5/14/2024</a:t>
             </a:fld>
             <a:endParaRPr kumimoji="0" lang="en-US" dirty="0"/>
           </a:p>
@@ -5351,7 +5351,7 @@
                 </a:solidFill>
               </a:rPr>
               <a:pPr/>
-              <a:t>5/10/2024</a:t>
+              <a:t>5/14/2024</a:t>
             </a:fld>
             <a:endParaRPr kumimoji="0" lang="en-US" dirty="0"/>
           </a:p>
@@ -5691,7 +5691,7 @@
                 </a:solidFill>
               </a:rPr>
               <a:pPr/>
-              <a:t>5/10/2024</a:t>
+              <a:t>5/14/2024</a:t>
             </a:fld>
             <a:endParaRPr kumimoji="0" lang="en-US" dirty="0"/>
           </a:p>
@@ -6272,7 +6272,7 @@
                 </a:solidFill>
               </a:rPr>
               <a:pPr/>
-              <a:t>5/10/2024</a:t>
+              <a:t>5/14/2024</a:t>
             </a:fld>
             <a:endParaRPr kumimoji="0" lang="en-US" dirty="0"/>
           </a:p>
@@ -6841,7 +6841,7 @@
                 </a:solidFill>
               </a:rPr>
               <a:pPr/>
-              <a:t>5/10/2024</a:t>
+              <a:t>5/14/2024</a:t>
             </a:fld>
             <a:endParaRPr kumimoji="0" lang="en-US" dirty="0"/>
           </a:p>
@@ -7305,7 +7305,7 @@
                 </a:solidFill>
               </a:rPr>
               <a:pPr/>
-              <a:t>5/10/2024</a:t>
+              <a:t>5/14/2024</a:t>
             </a:fld>
             <a:endParaRPr kumimoji="0" lang="en-US" dirty="0"/>
           </a:p>
@@ -7734,7 +7734,7 @@
                 </a:solidFill>
               </a:rPr>
               <a:pPr/>
-              <a:t>5/10/2024</a:t>
+              <a:t>5/14/2024</a:t>
             </a:fld>
             <a:endParaRPr kumimoji="0" lang="en-US" dirty="0"/>
           </a:p>
@@ -8243,7 +8243,7 @@
                 </a:solidFill>
               </a:rPr>
               <a:pPr/>
-              <a:t>5/10/2024</a:t>
+              <a:t>5/14/2024</a:t>
             </a:fld>
             <a:endParaRPr kumimoji="0" lang="en-US" dirty="0"/>
           </a:p>
@@ -8752,7 +8752,7 @@
                 </a:solidFill>
               </a:rPr>
               <a:pPr/>
-              <a:t>5/10/2024</a:t>
+              <a:t>5/14/2024</a:t>
             </a:fld>
             <a:endParaRPr kumimoji="0" lang="en-US" dirty="0"/>
           </a:p>
@@ -8973,7 +8973,7 @@
                 </a:solidFill>
               </a:rPr>
               <a:pPr/>
-              <a:t>5/10/2024</a:t>
+              <a:t>5/14/2024</a:t>
             </a:fld>
             <a:endParaRPr kumimoji="0" lang="en-US" dirty="0"/>
           </a:p>
@@ -9245,7 +9245,7 @@
           <a:p>
             <a:fld id="{2E29796B-F55F-40BA-947E-19D03180300F}" type="datetimeFigureOut">
               <a:rPr lang="zh-TW" altLang="en-US" smtClean="0"/>
-              <a:t>2024/5/10</a:t>
+              <a:t>2024/5/14</a:t>
             </a:fld>
             <a:endParaRPr lang="zh-TW" altLang="en-US"/>
           </a:p>
@@ -9581,7 +9581,7 @@
                 </a:solidFill>
               </a:rPr>
               <a:pPr/>
-              <a:t>5/10/2024</a:t>
+              <a:t>5/14/2024</a:t>
             </a:fld>
             <a:endParaRPr kumimoji="0" lang="en-US" dirty="0"/>
           </a:p>
@@ -9805,7 +9805,7 @@
                 </a:solidFill>
               </a:rPr>
               <a:pPr/>
-              <a:t>5/10/2024</a:t>
+              <a:t>5/14/2024</a:t>
             </a:fld>
             <a:endParaRPr kumimoji="0" lang="en-US" dirty="0"/>
           </a:p>
@@ -9986,7 +9986,7 @@
             <a:fld id="{ACB2EC6F-6501-4E04-BD6C-A8A6CABB2C5B}" type="datetimeFigureOut">
               <a:rPr kumimoji="0" lang="en-US" smtClean="0"/>
               <a:pPr/>
-              <a:t>5/10/2024</a:t>
+              <a:t>5/14/2024</a:t>
             </a:fld>
             <a:endParaRPr kumimoji="0" lang="en-US" dirty="0"/>
           </a:p>
@@ -10270,7 +10270,7 @@
           <a:p>
             <a:fld id="{2E29796B-F55F-40BA-947E-19D03180300F}" type="datetimeFigureOut">
               <a:rPr lang="zh-TW" altLang="en-US" smtClean="0"/>
-              <a:t>2024/5/10</a:t>
+              <a:t>2024/5/14</a:t>
             </a:fld>
             <a:endParaRPr lang="zh-TW" altLang="en-US"/>
           </a:p>
@@ -10682,7 +10682,7 @@
           <a:p>
             <a:fld id="{2E29796B-F55F-40BA-947E-19D03180300F}" type="datetimeFigureOut">
               <a:rPr lang="zh-TW" altLang="en-US" smtClean="0"/>
-              <a:t>2024/5/10</a:t>
+              <a:t>2024/5/14</a:t>
             </a:fld>
             <a:endParaRPr lang="zh-TW" altLang="en-US"/>
           </a:p>
@@ -10823,7 +10823,7 @@
           <a:p>
             <a:fld id="{2E29796B-F55F-40BA-947E-19D03180300F}" type="datetimeFigureOut">
               <a:rPr lang="zh-TW" altLang="en-US" smtClean="0"/>
-              <a:t>2024/5/10</a:t>
+              <a:t>2024/5/14</a:t>
             </a:fld>
             <a:endParaRPr lang="zh-TW" altLang="en-US"/>
           </a:p>
@@ -10936,7 +10936,7 @@
           <a:p>
             <a:fld id="{2E29796B-F55F-40BA-947E-19D03180300F}" type="datetimeFigureOut">
               <a:rPr lang="zh-TW" altLang="en-US" smtClean="0"/>
-              <a:t>2024/5/10</a:t>
+              <a:t>2024/5/14</a:t>
             </a:fld>
             <a:endParaRPr lang="zh-TW" altLang="en-US"/>
           </a:p>
@@ -11247,7 +11247,7 @@
           <a:p>
             <a:fld id="{2E29796B-F55F-40BA-947E-19D03180300F}" type="datetimeFigureOut">
               <a:rPr lang="zh-TW" altLang="en-US" smtClean="0"/>
-              <a:t>2024/5/10</a:t>
+              <a:t>2024/5/14</a:t>
             </a:fld>
             <a:endParaRPr lang="zh-TW" altLang="en-US"/>
           </a:p>
@@ -11535,7 +11535,7 @@
           <a:p>
             <a:fld id="{2E29796B-F55F-40BA-947E-19D03180300F}" type="datetimeFigureOut">
               <a:rPr lang="zh-TW" altLang="en-US" smtClean="0"/>
-              <a:t>2024/5/10</a:t>
+              <a:t>2024/5/14</a:t>
             </a:fld>
             <a:endParaRPr lang="zh-TW" altLang="en-US"/>
           </a:p>
@@ -11776,7 +11776,7 @@
           <a:p>
             <a:fld id="{2E29796B-F55F-40BA-947E-19D03180300F}" type="datetimeFigureOut">
               <a:rPr lang="zh-TW" altLang="en-US" smtClean="0"/>
-              <a:t>2024/5/10</a:t>
+              <a:t>2024/5/14</a:t>
             </a:fld>
             <a:endParaRPr lang="zh-TW" altLang="en-US"/>
           </a:p>
@@ -12348,7 +12348,7 @@
                 </a:solidFill>
               </a:rPr>
               <a:pPr/>
-              <a:t>5/10/2024</a:t>
+              <a:t>5/14/2024</a:t>
             </a:fld>
             <a:endParaRPr kumimoji="0" lang="en-US" sz="1200" dirty="0">
               <a:solidFill>
@@ -14895,7 +14895,7 @@
         <p:spPr>
           <a:xfrm>
             <a:off x="693420" y="1841244"/>
-            <a:ext cx="8077200" cy="2554545"/>
+            <a:ext cx="8077200" cy="3539430"/>
           </a:xfrm>
           <a:prstGeom prst="rect">
             <a:avLst/>
@@ -15175,6 +15175,84 @@
                 <a:cs typeface="Heiti TC Light"/>
               </a:rPr>
               <a:t>如果問題較長，可以在</a:t>
+            </a:r>
+            <a:r>
+              <a:rPr kumimoji="1" lang="en-US" altLang="zh-TW" sz="3200" dirty="0" err="1">
+                <a:solidFill>
+                  <a:prstClr val="white"/>
+                </a:solidFill>
+                <a:effectLst>
+                  <a:outerShdw blurRad="38100" dist="38100" dir="2700000" algn="tl">
+                    <a:srgbClr val="000000">
+                      <a:alpha val="43137"/>
+                    </a:srgbClr>
+                  </a:outerShdw>
+                </a:effectLst>
+                <a:latin typeface="微軟正黑體" panose="020B0604030504040204" pitchFamily="34" charset="-120"/>
+                <a:ea typeface="微軟正黑體" panose="020B0604030504040204" pitchFamily="34" charset="-120"/>
+                <a:cs typeface="Heiti TC Light"/>
+              </a:rPr>
+              <a:t>github</a:t>
+            </a:r>
+            <a:r>
+              <a:rPr kumimoji="1" lang="zh-TW" altLang="en-US" sz="3200" dirty="0">
+                <a:solidFill>
+                  <a:prstClr val="white"/>
+                </a:solidFill>
+                <a:effectLst>
+                  <a:outerShdw blurRad="38100" dist="38100" dir="2700000" algn="tl">
+                    <a:srgbClr val="000000">
+                      <a:alpha val="43137"/>
+                    </a:srgbClr>
+                  </a:outerShdw>
+                </a:effectLst>
+                <a:latin typeface="微軟正黑體" panose="020B0604030504040204" pitchFamily="34" charset="-120"/>
+                <a:ea typeface="微軟正黑體" panose="020B0604030504040204" pitchFamily="34" charset="-120"/>
+                <a:cs typeface="Heiti TC Light"/>
+              </a:rPr>
+              <a:t>發</a:t>
+            </a:r>
+            <a:r>
+              <a:rPr kumimoji="1" lang="en-US" altLang="zh-TW" sz="3200" dirty="0">
+                <a:solidFill>
+                  <a:prstClr val="white"/>
+                </a:solidFill>
+                <a:effectLst>
+                  <a:outerShdw blurRad="38100" dist="38100" dir="2700000" algn="tl">
+                    <a:srgbClr val="000000">
+                      <a:alpha val="43137"/>
+                    </a:srgbClr>
+                  </a:outerShdw>
+                </a:effectLst>
+                <a:latin typeface="微軟正黑體" panose="020B0604030504040204" pitchFamily="34" charset="-120"/>
+                <a:ea typeface="微軟正黑體" panose="020B0604030504040204" pitchFamily="34" charset="-120"/>
+                <a:cs typeface="Heiti TC Light"/>
+              </a:rPr>
+              <a:t>issue</a:t>
+            </a:r>
+          </a:p>
+          <a:p>
+            <a:pPr marL="514338" indent="-514338">
+              <a:buFont typeface="+mj-lt"/>
+              <a:buAutoNum type="arabicPeriod"/>
+            </a:pPr>
+            <a:r>
+              <a:rPr kumimoji="1" lang="zh-TW" altLang="en-US" sz="3200" dirty="0">
+                <a:solidFill>
+                  <a:prstClr val="white"/>
+                </a:solidFill>
+                <a:effectLst>
+                  <a:outerShdw blurRad="38100" dist="38100" dir="2700000" algn="tl">
+                    <a:srgbClr val="000000">
+                      <a:alpha val="43137"/>
+                    </a:srgbClr>
+                  </a:outerShdw>
+                </a:effectLst>
+                <a:latin typeface="微軟正黑體" panose="020B0604030504040204" pitchFamily="34" charset="-120"/>
+                <a:ea typeface="微軟正黑體" panose="020B0604030504040204" pitchFamily="34" charset="-120"/>
+                <a:cs typeface="Heiti TC Light"/>
+              </a:rPr>
+              <a:t>整個課程結束後，也可以在</a:t>
             </a:r>
             <a:r>
               <a:rPr kumimoji="1" lang="en-US" altLang="zh-TW" sz="3200" dirty="0" err="1">
